--- a/Slides/2016MVA-Template10.pptx
+++ b/Slides/2016MVA-Template10.pptx
@@ -10536,7 +10536,29 @@
           <a:bodyPr/>
           <a:lstStyle/>
           <a:p>
-            <a:endParaRPr lang="en-US"/>
+            <a:r>
+              <a:rPr lang="en-US" dirty="0" smtClean="0"/>
+              <a:t>Overview</a:t>
+            </a:r>
+          </a:p>
+          <a:p>
+            <a:r>
+              <a:rPr lang="en-US" dirty="0" smtClean="0"/>
+              <a:t>Activation</a:t>
+            </a:r>
+          </a:p>
+          <a:p>
+            <a:r>
+              <a:rPr lang="en-US" dirty="0" smtClean="0"/>
+              <a:t>Services</a:t>
+            </a:r>
+          </a:p>
+          <a:p>
+            <a:r>
+              <a:rPr lang="en-US" smtClean="0"/>
+              <a:t>Sample app</a:t>
+            </a:r>
+            <a:endParaRPr lang="en-US" dirty="0" smtClean="0"/>
           </a:p>
         </p:txBody>
       </p:sp>
